--- a/documents/Projet Campus Contest.pptx
+++ b/documents/Projet Campus Contest.pptx
@@ -536,10 +536,9 @@
           </a:lstStyle>
           <a:p>
             <a:r>
-              <a:rPr lang="en-US"/>
+              <a:rPr lang="en-US" dirty="0"/>
               <a:t>Click icon to add picture</a:t>
             </a:r>
-            <a:endParaRPr lang="en-US" dirty="0"/>
           </a:p>
         </p:txBody>
       </p:sp>
@@ -2412,10 +2411,9 @@
           </a:lstStyle>
           <a:p>
             <a:r>
-              <a:rPr lang="en-US"/>
+              <a:rPr lang="en-US" dirty="0"/>
               <a:t>Click icon to add picture</a:t>
             </a:r>
-            <a:endParaRPr lang="en-US" dirty="0"/>
           </a:p>
         </p:txBody>
       </p:sp>
@@ -2629,10 +2627,9 @@
           </a:lstStyle>
           <a:p>
             <a:r>
-              <a:rPr lang="en-US"/>
+              <a:rPr lang="en-US" dirty="0"/>
               <a:t>Click icon to add picture</a:t>
             </a:r>
-            <a:endParaRPr lang="en-US" dirty="0"/>
           </a:p>
         </p:txBody>
       </p:sp>
@@ -2846,10 +2843,9 @@
           </a:lstStyle>
           <a:p>
             <a:r>
-              <a:rPr lang="en-US"/>
+              <a:rPr lang="en-US" dirty="0"/>
               <a:t>Click icon to add picture</a:t>
             </a:r>
-            <a:endParaRPr lang="en-US" dirty="0"/>
           </a:p>
         </p:txBody>
       </p:sp>
@@ -5112,10 +5108,9 @@
           </a:lstStyle>
           <a:p>
             <a:r>
-              <a:rPr lang="en-US"/>
+              <a:rPr lang="en-US" dirty="0"/>
               <a:t>Click icon to add picture</a:t>
             </a:r>
-            <a:endParaRPr lang="en-US" dirty="0"/>
           </a:p>
         </p:txBody>
       </p:sp>
@@ -6368,7 +6363,7 @@
           </a:bodyPr>
           <a:lstStyle/>
           <a:p>
-            <a:endParaRPr lang="en-US"/>
+            <a:endParaRPr lang="en-US" dirty="0"/>
           </a:p>
         </p:txBody>
       </p:sp>
@@ -6580,16 +6575,10 @@
           <a:p>
             <a:pPr algn="just"/>
             <a:r>
-              <a:rPr lang="fr-FR" dirty="0" err="1">
-                <a:effectLst/>
-              </a:rPr>
-              <a:t>Personna</a:t>
-            </a:r>
-            <a:r>
               <a:rPr lang="fr-FR" dirty="0">
                 <a:effectLst/>
               </a:rPr>
-              <a:t> 1 : Un recruteur</a:t>
+              <a:t>Persona 1 : Un recruteur</a:t>
             </a:r>
           </a:p>
           <a:p>
@@ -6809,16 +6798,10 @@
           <a:p>
             <a:pPr algn="just"/>
             <a:r>
-              <a:rPr lang="fr-FR" dirty="0" err="1">
-                <a:effectLst/>
-              </a:rPr>
-              <a:t>Personna</a:t>
-            </a:r>
-            <a:r>
               <a:rPr lang="fr-FR" dirty="0">
                 <a:effectLst/>
               </a:rPr>
-              <a:t> 1 : Un visiteur laissant un message ou commentaire</a:t>
+              <a:t>Persona 2 : Un visiteur laissant un message ou commentaire</a:t>
             </a:r>
           </a:p>
           <a:p>
@@ -7247,23 +7230,7 @@
                 <a:latin typeface="Times New Roman" panose="02020603050405020304" pitchFamily="18" charset="0"/>
                 <a:cs typeface="Times New Roman" panose="02020603050405020304" pitchFamily="18" charset="0"/>
               </a:rPr>
-              <a:t>	Le </a:t>
-            </a:r>
-            <a:r>
-              <a:rPr lang="fr-FR" dirty="0" err="1">
-                <a:effectLst/>
-                <a:latin typeface="Times New Roman" panose="02020603050405020304" pitchFamily="18" charset="0"/>
-                <a:cs typeface="Times New Roman" panose="02020603050405020304" pitchFamily="18" charset="0"/>
-              </a:rPr>
-              <a:t>footer</a:t>
-            </a:r>
-            <a:r>
-              <a:rPr lang="fr-FR" dirty="0">
-                <a:effectLst/>
-                <a:latin typeface="Times New Roman" panose="02020603050405020304" pitchFamily="18" charset="0"/>
-                <a:cs typeface="Times New Roman" panose="02020603050405020304" pitchFamily="18" charset="0"/>
-              </a:rPr>
-              <a:t> rappelle le nom Portfolio écrit en rouge ainsi que la barre de navigation.</a:t>
+              <a:t>	Le footer rappelle le nom Portfolio écrit en rouge ainsi que la barre de navigation.</a:t>
             </a:r>
           </a:p>
           <a:p>
@@ -8437,23 +8404,7 @@
                 <a:latin typeface="Times New Roman" panose="02020603050405020304" pitchFamily="18" charset="0"/>
                 <a:cs typeface="Times New Roman" panose="02020603050405020304" pitchFamily="18" charset="0"/>
               </a:rPr>
-              <a:t>Dans le cadre de la formation </a:t>
-            </a:r>
-            <a:r>
-              <a:rPr lang="fr-FR" dirty="0" err="1">
-                <a:effectLst/>
-                <a:latin typeface="Times New Roman" panose="02020603050405020304" pitchFamily="18" charset="0"/>
-                <a:cs typeface="Times New Roman" panose="02020603050405020304" pitchFamily="18" charset="0"/>
-              </a:rPr>
-              <a:t>Bachelor</a:t>
-            </a:r>
-            <a:r>
-              <a:rPr lang="fr-FR" dirty="0">
-                <a:effectLst/>
-                <a:latin typeface="Times New Roman" panose="02020603050405020304" pitchFamily="18" charset="0"/>
-                <a:cs typeface="Times New Roman" panose="02020603050405020304" pitchFamily="18" charset="0"/>
-              </a:rPr>
-              <a:t> Informatique, il est demandé de créer un site WEB mettant en avant un portfolio personnel de chaque étudiant. Le projet est à concevoir dans sa totalité et sans existant originel.</a:t>
+              <a:t>Dans le cadre de la formation Bachelor Informatique, il est demandé de créer un site WEB mettant en avant un portfolio personnel de chaque étudiant. Le projet est à concevoir dans sa totalité et sans existant originel.</a:t>
             </a:r>
           </a:p>
           <a:p>
@@ -9570,23 +9521,7 @@
                 <a:latin typeface="Times New Roman" panose="02020603050405020304" pitchFamily="18" charset="0"/>
                 <a:cs typeface="Times New Roman" panose="02020603050405020304" pitchFamily="18" charset="0"/>
               </a:rPr>
-              <a:t>du 14 au </a:t>
-            </a:r>
-            <a:r>
-              <a:rPr lang="fr-FR" sz="2400">
-                <a:effectLst/>
-                <a:latin typeface="Times New Roman" panose="02020603050405020304" pitchFamily="18" charset="0"/>
-                <a:cs typeface="Times New Roman" panose="02020603050405020304" pitchFamily="18" charset="0"/>
-              </a:rPr>
-              <a:t>20 décembre 2019 </a:t>
-            </a:r>
-            <a:r>
-              <a:rPr lang="fr-FR" sz="2400" dirty="0">
-                <a:effectLst/>
-                <a:latin typeface="Times New Roman" panose="02020603050405020304" pitchFamily="18" charset="0"/>
-                <a:cs typeface="Times New Roman" panose="02020603050405020304" pitchFamily="18" charset="0"/>
-              </a:rPr>
-              <a:t>:</a:t>
+              <a:t>du 14 au 20 décembre 2019 :</a:t>
             </a:r>
           </a:p>
           <a:p>
@@ -10625,142 +10560,197 @@
           </a:lstStyle>
           <a:p>
             <a:r>
-              <a:rPr lang="fr-FR" sz="900"/>
+              <a:rPr lang="fr-FR" sz="900" dirty="0"/>
               <a:t>1. Présentation du projet : Portfolio professionnel  </a:t>
             </a:r>
           </a:p>
           <a:p>
             <a:r>
-              <a:rPr lang="fr-FR" sz="900"/>
+              <a:rPr lang="fr-FR" sz="900" dirty="0"/>
               <a:t>1.1 Objet du document Ce document s’adresse à une équipe de développeurs d’applications Web en première année de formation. </a:t>
             </a:r>
           </a:p>
           <a:p>
             <a:r>
-              <a:rPr lang="fr-FR" sz="900"/>
+              <a:rPr lang="fr-FR" sz="900" dirty="0"/>
               <a:t>1.2 Sponsor (MOA) La MOA est soutenue par une équipe pédagogique de Campus Academy. </a:t>
             </a:r>
           </a:p>
           <a:p>
             <a:r>
-              <a:rPr lang="fr-FR" sz="900"/>
+              <a:rPr lang="fr-FR" sz="900" dirty="0"/>
               <a:t>1.3 Chef de projet ou pilote du projet Le chef de projet sera représenté par Campus Academy et pilotera une équipe de développeur. </a:t>
             </a:r>
           </a:p>
           <a:p>
             <a:r>
-              <a:rPr lang="fr-FR" sz="900"/>
+              <a:rPr lang="fr-FR" sz="900" dirty="0"/>
               <a:t>1.4 Description de parties prenantes • Client / Chef de projet Campus Academy (Service pédagogique ou formateur) • B1 INFO : développeurs 1.5 Objectifs L’équipe doit créer un site Web mettant en avant un portfolio, celui-ci doit comporter une section ou un onglet :  Recommandations professionnelles.  </a:t>
             </a:r>
           </a:p>
           <a:p>
             <a:r>
-              <a:rPr lang="fr-FR" sz="900"/>
+              <a:rPr lang="fr-FR" sz="900" dirty="0"/>
               <a:t>1.6  Description de l'existant Il n’y a pas encore d’existant. </a:t>
             </a:r>
           </a:p>
           <a:p>
             <a:r>
-              <a:rPr lang="fr-FR" sz="900"/>
-              <a:t>1.7 Critères d'acceptabilité du produit Le(s) document(s) livré(s) doi(ven)t : • Être soucieux des règlementations RGPD </a:t>
-            </a:r>
-          </a:p>
-          <a:p>
-            <a:r>
-              <a:rPr lang="fr-FR" sz="900"/>
+              <a:rPr lang="fr-FR" sz="900" dirty="0"/>
+              <a:t>1.7 Critères d'acceptabilité du produit Le(s) document(s) livré(s) </a:t>
+            </a:r>
+            <a:r>
+              <a:rPr lang="fr-FR" sz="900" dirty="0" err="1"/>
+              <a:t>doi</a:t>
+            </a:r>
+            <a:r>
+              <a:rPr lang="fr-FR" sz="900" dirty="0"/>
+              <a:t>(</a:t>
+            </a:r>
+            <a:r>
+              <a:rPr lang="fr-FR" sz="900" dirty="0" err="1"/>
+              <a:t>ven</a:t>
+            </a:r>
+            <a:r>
+              <a:rPr lang="fr-FR" sz="900" dirty="0"/>
+              <a:t>)t : • Être soucieux des règlementations RGPD </a:t>
+            </a:r>
+          </a:p>
+          <a:p>
+            <a:r>
+              <a:rPr lang="fr-FR" sz="900" dirty="0"/>
               <a:t>2. Expression des besoins </a:t>
             </a:r>
           </a:p>
           <a:p>
             <a:r>
-              <a:rPr lang="fr-FR" sz="900"/>
+              <a:rPr lang="fr-FR" sz="900" dirty="0"/>
               <a:t>2.1 Analyse fonctionnelle Il est demandé de concevoir les supports suivants : </a:t>
             </a:r>
           </a:p>
           <a:p>
             <a:r>
-              <a:rPr lang="fr-FR" sz="900"/>
+              <a:rPr lang="fr-FR" sz="900" dirty="0"/>
               <a:t>Un site Web</a:t>
             </a:r>
           </a:p>
           <a:p>
             <a:r>
-              <a:rPr lang="fr-FR" sz="900"/>
+              <a:rPr lang="fr-FR" sz="900" dirty="0"/>
               <a:t>• Celui-ci doit faire la promotion de votre travail. • Mettre en avant vos travaux personnels, en entreprise et lors de vos sessions de formation. • Vous devrez pouvoir intégrer différents contenus (texte, images et vidéos).</a:t>
             </a:r>
           </a:p>
           <a:p>
             <a:r>
-              <a:rPr lang="fr-FR" sz="900"/>
+              <a:rPr lang="fr-FR" sz="900" dirty="0"/>
               <a:t>2.2 Analyse non fonctionnelle • Votre application doit être accessible en français au minimum. • L’application doit pouvoir s’adapter aux différents supports informatiques. </a:t>
             </a:r>
           </a:p>
           <a:p>
             <a:r>
-              <a:rPr lang="fr-FR" sz="900"/>
+              <a:rPr lang="fr-FR" sz="900" dirty="0"/>
               <a:t>3. Le périmètre du projet  </a:t>
             </a:r>
           </a:p>
           <a:p>
             <a:r>
-              <a:rPr lang="fr-FR" sz="900"/>
+              <a:rPr lang="fr-FR" sz="900" dirty="0"/>
               <a:t>3.1 Les enjeux et objectifs du projet L’enjeu est de vous permettre d’avoir une meilleure visibilité sur le net afin de vous positionner plus facilement sur le marché professionnel. </a:t>
             </a:r>
           </a:p>
           <a:p>
             <a:r>
-              <a:rPr lang="fr-FR" sz="900"/>
-              <a:t>3.2 Les livrables du projet  L’équipe devra fournir pour la première session de Campus Contest le vendredi 20 au plus tard 23H59:  • Le maquettage de l’application • Un prototype HTML/CSS (optionnel Javascript) • Ainsi qu’un document de gestion de projet incluant les reportings d’activités (évoqués en 5. Gestion de la communication). Cela peut être a minima un RAF au format excel listant les tâches, et la répartition « faites, à faire, prévisionnel » ou directement un accès au Git ou à l’outil de gestion de projet choisi • Document de base de données L’équipe devra fournir pour la deuxième session de Campus Contest :  • Un projet complet et fonctionnel • Un site déployé sur le support de votre choix L’adresse unique de livraison est : rendu-b1@campus.academy  </a:t>
-            </a:r>
-          </a:p>
-          <a:p>
-            <a:r>
-              <a:rPr lang="fr-FR" sz="900"/>
+              <a:rPr lang="fr-FR" sz="900" dirty="0"/>
+              <a:t>3.2 Les livrables du projet  L’équipe devra fournir pour la première session de Campus Contest le vendredi 20 au plus tard 23H59:  • Le maquettage de l’application • Un prototype HTML/CSS (optionnel Javascript) • Ainsi qu’un document de gestion de projet incluant les </a:t>
+            </a:r>
+            <a:r>
+              <a:rPr lang="fr-FR" sz="900" dirty="0" err="1"/>
+              <a:t>reportings</a:t>
+            </a:r>
+            <a:r>
+              <a:rPr lang="fr-FR" sz="900" dirty="0"/>
+              <a:t> d’activités (évoqués en 5. Gestion de la communication). Cela peut être a minima un RAF au format </a:t>
+            </a:r>
+            <a:r>
+              <a:rPr lang="fr-FR" sz="900" dirty="0" err="1"/>
+              <a:t>excel</a:t>
+            </a:r>
+            <a:r>
+              <a:rPr lang="fr-FR" sz="900" dirty="0"/>
+              <a:t> listant les tâches, et la répartition « faites, à faire, prévisionnel » ou directement un accès au Git ou à l’outil de gestion de projet choisi • Document de base de données L’équipe devra fournir pour la deuxième session de Campus Contest :  • Un projet complet et fonctionnel • Un site déployé sur le support de votre choix L’adresse unique de livraison est : rendu-b1@campus.academy  </a:t>
+            </a:r>
+          </a:p>
+          <a:p>
+            <a:r>
+              <a:rPr lang="fr-FR" sz="900" dirty="0"/>
               <a:t>4. Contraintes  </a:t>
             </a:r>
           </a:p>
           <a:p>
             <a:r>
-              <a:rPr lang="fr-FR" sz="900"/>
+              <a:rPr lang="fr-FR" sz="900" dirty="0"/>
               <a:t>4.1 Coûts Il n’y a pas d’enveloppe budgétaire compte tenu de la teneur pédagogique du projet </a:t>
             </a:r>
           </a:p>
           <a:p>
             <a:r>
-              <a:rPr lang="fr-FR" sz="900"/>
+              <a:rPr lang="fr-FR" sz="900" dirty="0"/>
               <a:t>4.2 Délais 10 jours sont prévus pour la conception et réalisation de votre application. </a:t>
             </a:r>
           </a:p>
           <a:p>
             <a:r>
-              <a:rPr lang="fr-FR" sz="900"/>
+              <a:rPr lang="fr-FR" sz="900" dirty="0"/>
               <a:t>4.3 Autres contraintes • Attention aux contraintes techniques • Attention aux règlementations de la RGPD • Votre site devra être responsive </a:t>
             </a:r>
           </a:p>
           <a:p>
             <a:r>
-              <a:rPr lang="fr-FR" sz="900"/>
+              <a:rPr lang="fr-FR" sz="900" dirty="0"/>
               <a:t>5. Gestion de la communication  </a:t>
             </a:r>
           </a:p>
           <a:p>
             <a:r>
-              <a:rPr lang="fr-FR" sz="900"/>
-              <a:t>• Un point de 5 minutes le matin pour définir vos objectifs d’avancement  • Centralisez vos questions techniques en fin de première journée auprès des délégués  • Enregistrer un reporting d’activité tous les soirs à 16h30 au format PDF sui devront être fournis dans vos livrables de première phase. </a:t>
-            </a:r>
-          </a:p>
-          <a:p>
-            <a:r>
-              <a:rPr lang="fr-FR" sz="900"/>
-              <a:t>6. Conseils Pensez lors de la réservation de votre hébergement à demander un certificat SSL. Campus Academy peut vous mettre à disposition un espace d’hébergement sous condition de réservation formulée.  Vous pouvez utiliser des frameworks. </a:t>
-            </a:r>
-          </a:p>
-          <a:p>
-            <a:r>
-              <a:rPr lang="fr-FR" sz="900"/>
+              <a:rPr lang="fr-FR" sz="900" dirty="0"/>
+              <a:t>• Un point de 5 minutes le matin pour définir vos objectifs d’avancement  • Centralisez vos questions techniques en fin de première journée auprès des délégués  • Enregistrer un </a:t>
+            </a:r>
+            <a:r>
+              <a:rPr lang="fr-FR" sz="900" dirty="0" err="1"/>
+              <a:t>reporting</a:t>
+            </a:r>
+            <a:r>
+              <a:rPr lang="fr-FR" sz="900" dirty="0"/>
+              <a:t> d’activité tous les soirs à 16h30 au format PDF sui devront être fournis dans vos livrables de première phase. </a:t>
+            </a:r>
+          </a:p>
+          <a:p>
+            <a:r>
+              <a:rPr lang="fr-FR" sz="900" dirty="0"/>
+              <a:t>6. Conseils Pensez lors de la réservation de votre hébergement à demander un certificat SSL. Campus </a:t>
+            </a:r>
+            <a:r>
+              <a:rPr lang="fr-FR" sz="900" dirty="0" err="1"/>
+              <a:t>Academy</a:t>
+            </a:r>
+            <a:r>
+              <a:rPr lang="fr-FR" sz="900" dirty="0"/>
+              <a:t> peut vous mettre à disposition un espace d’hébergement sous condition de réservation formulée.  Vous pouvez utiliser des </a:t>
+            </a:r>
+            <a:r>
+              <a:rPr lang="fr-FR" sz="900" dirty="0" err="1"/>
+              <a:t>frameworks</a:t>
+            </a:r>
+            <a:r>
+              <a:rPr lang="fr-FR" sz="900" dirty="0"/>
+              <a:t>. </a:t>
+            </a:r>
+          </a:p>
+          <a:p>
+            <a:r>
+              <a:rPr lang="fr-FR" sz="900" dirty="0"/>
               <a:t>Le contenu que vous intègrerez devra être travaillé, soigné et professionnel. </a:t>
             </a:r>
-            <a:endParaRPr lang="fr-FR" sz="900" dirty="0"/>
           </a:p>
         </p:txBody>
       </p:sp>
@@ -11094,31 +11084,19 @@
           <a:p>
             <a:pPr algn="just"/>
             <a:r>
-              <a:rPr lang="fr-FR" dirty="0" err="1">
-                <a:effectLst/>
-              </a:rPr>
-              <a:t>Personna</a:t>
-            </a:r>
-            <a:r>
               <a:rPr lang="fr-FR" dirty="0">
                 <a:effectLst/>
               </a:rPr>
-              <a:t> 1 : Un recruteur</a:t>
+              <a:t>Persona 1 : Un recruteur</a:t>
             </a:r>
           </a:p>
           <a:p>
             <a:pPr algn="just"/>
-            <a:r>
-              <a:rPr lang="fr-FR" dirty="0" err="1">
-                <a:effectLst/>
-              </a:rPr>
-              <a:t>Personna</a:t>
-            </a:r>
             <a:r>
               <a:rPr lang="fr-FR" dirty="0">
                 <a:effectLst/>
               </a:rPr>
-              <a:t> 2 : Un visiteur laissant un message ou commentaire</a:t>
+              <a:t>Persona 2 : Un visiteur laissant un message ou commentaire</a:t>
             </a:r>
           </a:p>
           <a:p>
